--- a/Proyecto fin de Curso (Grupal)/Etapa3_Prototipado.pptx
+++ b/Proyecto fin de Curso (Grupal)/Etapa3_Prototipado.pptx
@@ -838,7 +838,7 @@
           <a:p>
             <a:fld id="{42C71689-1ED2-41B8-B03A-F6A10433DB15}" type="datetimeFigureOut">
               <a:rPr lang="es-PE" smtClean="0"/>
-              <a:t>31/07/2020</a:t>
+              <a:t>05/08/2020</a:t>
             </a:fld>
             <a:endParaRPr lang="es-PE"/>
           </a:p>
@@ -1089,7 +1089,7 @@
           <a:p>
             <a:fld id="{42C71689-1ED2-41B8-B03A-F6A10433DB15}" type="datetimeFigureOut">
               <a:rPr lang="es-PE" smtClean="0"/>
-              <a:t>31/07/2020</a:t>
+              <a:t>05/08/2020</a:t>
             </a:fld>
             <a:endParaRPr lang="es-PE"/>
           </a:p>
@@ -1403,7 +1403,7 @@
           <a:p>
             <a:fld id="{42C71689-1ED2-41B8-B03A-F6A10433DB15}" type="datetimeFigureOut">
               <a:rPr lang="es-PE" smtClean="0"/>
-              <a:t>31/07/2020</a:t>
+              <a:t>05/08/2020</a:t>
             </a:fld>
             <a:endParaRPr lang="es-PE"/>
           </a:p>
@@ -1744,7 +1744,7 @@
           <a:p>
             <a:fld id="{42C71689-1ED2-41B8-B03A-F6A10433DB15}" type="datetimeFigureOut">
               <a:rPr lang="es-PE" smtClean="0"/>
-              <a:t>31/07/2020</a:t>
+              <a:t>05/08/2020</a:t>
             </a:fld>
             <a:endParaRPr lang="es-PE"/>
           </a:p>
@@ -2058,7 +2058,7 @@
           <a:p>
             <a:fld id="{42C71689-1ED2-41B8-B03A-F6A10433DB15}" type="datetimeFigureOut">
               <a:rPr lang="es-PE" smtClean="0"/>
-              <a:t>31/07/2020</a:t>
+              <a:t>05/08/2020</a:t>
             </a:fld>
             <a:endParaRPr lang="es-PE"/>
           </a:p>
@@ -2451,7 +2451,7 @@
           <a:p>
             <a:fld id="{42C71689-1ED2-41B8-B03A-F6A10433DB15}" type="datetimeFigureOut">
               <a:rPr lang="es-PE" smtClean="0"/>
-              <a:t>31/07/2020</a:t>
+              <a:t>05/08/2020</a:t>
             </a:fld>
             <a:endParaRPr lang="es-PE"/>
           </a:p>
@@ -2621,7 +2621,7 @@
           <a:p>
             <a:fld id="{42C71689-1ED2-41B8-B03A-F6A10433DB15}" type="datetimeFigureOut">
               <a:rPr lang="es-PE" smtClean="0"/>
-              <a:t>31/07/2020</a:t>
+              <a:t>05/08/2020</a:t>
             </a:fld>
             <a:endParaRPr lang="es-PE"/>
           </a:p>
@@ -2801,7 +2801,7 @@
           <a:p>
             <a:fld id="{42C71689-1ED2-41B8-B03A-F6A10433DB15}" type="datetimeFigureOut">
               <a:rPr lang="es-PE" smtClean="0"/>
-              <a:t>31/07/2020</a:t>
+              <a:t>05/08/2020</a:t>
             </a:fld>
             <a:endParaRPr lang="es-PE"/>
           </a:p>
@@ -2977,7 +2977,7 @@
           <a:p>
             <a:fld id="{42C71689-1ED2-41B8-B03A-F6A10433DB15}" type="datetimeFigureOut">
               <a:rPr lang="es-PE" smtClean="0"/>
-              <a:t>31/07/2020</a:t>
+              <a:t>05/08/2020</a:t>
             </a:fld>
             <a:endParaRPr lang="es-PE"/>
           </a:p>
@@ -3224,7 +3224,7 @@
           <a:p>
             <a:fld id="{42C71689-1ED2-41B8-B03A-F6A10433DB15}" type="datetimeFigureOut">
               <a:rPr lang="es-PE" smtClean="0"/>
-              <a:t>31/07/2020</a:t>
+              <a:t>05/08/2020</a:t>
             </a:fld>
             <a:endParaRPr lang="es-PE"/>
           </a:p>
@@ -3456,7 +3456,7 @@
           <a:p>
             <a:fld id="{42C71689-1ED2-41B8-B03A-F6A10433DB15}" type="datetimeFigureOut">
               <a:rPr lang="es-PE" smtClean="0"/>
-              <a:t>31/07/2020</a:t>
+              <a:t>05/08/2020</a:t>
             </a:fld>
             <a:endParaRPr lang="es-PE"/>
           </a:p>
@@ -3830,7 +3830,7 @@
           <a:p>
             <a:fld id="{42C71689-1ED2-41B8-B03A-F6A10433DB15}" type="datetimeFigureOut">
               <a:rPr lang="es-PE" smtClean="0"/>
-              <a:t>31/07/2020</a:t>
+              <a:t>05/08/2020</a:t>
             </a:fld>
             <a:endParaRPr lang="es-PE"/>
           </a:p>
@@ -3953,7 +3953,7 @@
           <a:p>
             <a:fld id="{42C71689-1ED2-41B8-B03A-F6A10433DB15}" type="datetimeFigureOut">
               <a:rPr lang="es-PE" smtClean="0"/>
-              <a:t>31/07/2020</a:t>
+              <a:t>05/08/2020</a:t>
             </a:fld>
             <a:endParaRPr lang="es-PE"/>
           </a:p>
@@ -4048,7 +4048,7 @@
           <a:p>
             <a:fld id="{42C71689-1ED2-41B8-B03A-F6A10433DB15}" type="datetimeFigureOut">
               <a:rPr lang="es-PE" smtClean="0"/>
-              <a:t>31/07/2020</a:t>
+              <a:t>05/08/2020</a:t>
             </a:fld>
             <a:endParaRPr lang="es-PE"/>
           </a:p>
@@ -4303,7 +4303,7 @@
           <a:p>
             <a:fld id="{42C71689-1ED2-41B8-B03A-F6A10433DB15}" type="datetimeFigureOut">
               <a:rPr lang="es-PE" smtClean="0"/>
-              <a:t>31/07/2020</a:t>
+              <a:t>05/08/2020</a:t>
             </a:fld>
             <a:endParaRPr lang="es-PE"/>
           </a:p>
@@ -4566,7 +4566,7 @@
           <a:p>
             <a:fld id="{42C71689-1ED2-41B8-B03A-F6A10433DB15}" type="datetimeFigureOut">
               <a:rPr lang="es-PE" smtClean="0"/>
-              <a:t>31/07/2020</a:t>
+              <a:t>05/08/2020</a:t>
             </a:fld>
             <a:endParaRPr lang="es-PE"/>
           </a:p>
@@ -5309,7 +5309,7 @@
           <a:p>
             <a:fld id="{42C71689-1ED2-41B8-B03A-F6A10433DB15}" type="datetimeFigureOut">
               <a:rPr lang="es-PE" smtClean="0"/>
-              <a:t>31/07/2020</a:t>
+              <a:t>05/08/2020</a:t>
             </a:fld>
             <a:endParaRPr lang="es-PE"/>
           </a:p>
@@ -7316,15 +7316,305 @@
           </a:p>
         </p:txBody>
       </p:sp>
-      <p:pic>
-        <p:nvPicPr>
-          <p:cNvPr id="5" name="Picture 4" descr="A close up of a logo&#10;&#10;Description automatically generated">
+      <p:sp>
+        <p:nvSpPr>
+          <p:cNvPr id="6" name="TextBox 5">
             <a:extLst>
               <a:ext uri="{FF2B5EF4-FFF2-40B4-BE49-F238E27FC236}">
-                <a16:creationId xmlns="" xmlns:a16="http://schemas.microsoft.com/office/drawing/2014/main" id="{BE0AAC89-DD66-42BD-8528-90F754C9F94B}"/>
+                <a16:creationId xmlns="" xmlns:a16="http://schemas.microsoft.com/office/drawing/2014/main" id="{DADDF964-2D30-43F0-BEFF-1303DD6D2F00}"/>
               </a:ext>
             </a:extLst>
           </p:cNvPr>
+          <p:cNvSpPr txBox="1"/>
+          <p:nvPr/>
+        </p:nvSpPr>
+        <p:spPr>
+          <a:xfrm>
+            <a:off x="1430750" y="4624729"/>
+            <a:ext cx="6576288" cy="707886"/>
+          </a:xfrm>
+          <a:prstGeom prst="rect">
+            <a:avLst/>
+          </a:prstGeom>
+          <a:noFill/>
+        </p:spPr>
+        <p:txBody>
+          <a:bodyPr wrap="square" rtlCol="0">
+            <a:spAutoFit/>
+          </a:bodyPr>
+          <a:lstStyle/>
+          <a:p>
+            <a:r>
+              <a:rPr lang="es-MX" sz="4000" b="1" dirty="0">
+                <a:ln w="6600">
+                  <a:solidFill>
+                    <a:schemeClr val="accent2"/>
+                  </a:solidFill>
+                  <a:prstDash val="solid"/>
+                </a:ln>
+                <a:solidFill>
+                  <a:srgbClr val="FFFFFF"/>
+                </a:solidFill>
+                <a:effectLst>
+                  <a:outerShdw dist="38100" dir="2700000" algn="tl" rotWithShape="0">
+                    <a:schemeClr val="accent2"/>
+                  </a:outerShdw>
+                </a:effectLst>
+                <a:latin typeface="Arial Rounded MT Bold" panose="020F0704030504030204" pitchFamily="34" charset="0"/>
+              </a:rPr>
+              <a:t>ETAPA III:  PROTOTIPADO</a:t>
+            </a:r>
+            <a:endParaRPr lang="es-PE" sz="4000" b="1" dirty="0">
+              <a:ln w="6600">
+                <a:solidFill>
+                  <a:schemeClr val="accent2"/>
+                </a:solidFill>
+                <a:prstDash val="solid"/>
+              </a:ln>
+              <a:solidFill>
+                <a:srgbClr val="FFFFFF"/>
+              </a:solidFill>
+              <a:effectLst>
+                <a:outerShdw dist="38100" dir="2700000" algn="tl" rotWithShape="0">
+                  <a:schemeClr val="accent2"/>
+                </a:outerShdw>
+              </a:effectLst>
+              <a:latin typeface="Arial Rounded MT Bold" panose="020F0704030504030204" pitchFamily="34" charset="0"/>
+            </a:endParaRPr>
+          </a:p>
+        </p:txBody>
+      </p:sp>
+      <p:sp>
+        <p:nvSpPr>
+          <p:cNvPr id="7" name="TextBox 6">
+            <a:extLst>
+              <a:ext uri="{FF2B5EF4-FFF2-40B4-BE49-F238E27FC236}">
+                <a16:creationId xmlns="" xmlns:a16="http://schemas.microsoft.com/office/drawing/2014/main" id="{C8D95159-5EE3-4620-B2D4-24628A5B23F5}"/>
+              </a:ext>
+            </a:extLst>
+          </p:cNvPr>
+          <p:cNvSpPr txBox="1"/>
+          <p:nvPr/>
+        </p:nvSpPr>
+        <p:spPr>
+          <a:xfrm>
+            <a:off x="9086100" y="1347274"/>
+            <a:ext cx="3074380" cy="4154984"/>
+          </a:xfrm>
+          <a:prstGeom prst="rect">
+            <a:avLst/>
+          </a:prstGeom>
+          <a:noFill/>
+        </p:spPr>
+        <p:txBody>
+          <a:bodyPr wrap="square" rtlCol="0">
+            <a:spAutoFit/>
+          </a:bodyPr>
+          <a:lstStyle/>
+          <a:p>
+            <a:r>
+              <a:rPr lang="es-MX" sz="2400" b="1" spc="50" dirty="0">
+                <a:ln w="0"/>
+                <a:solidFill>
+                  <a:schemeClr val="bg2"/>
+                </a:solidFill>
+                <a:effectLst>
+                  <a:innerShdw blurRad="63500" dist="50800" dir="13500000">
+                    <a:srgbClr val="000000">
+                      <a:alpha val="50000"/>
+                    </a:srgbClr>
+                  </a:innerShdw>
+                </a:effectLst>
+              </a:rPr>
+              <a:t>Integrantes:</a:t>
+            </a:r>
+          </a:p>
+          <a:p>
+            <a:pPr marL="342900" indent="-342900">
+              <a:buFont typeface="Arial" panose="020B0604020202020204" pitchFamily="34" charset="0"/>
+              <a:buChar char="•"/>
+            </a:pPr>
+            <a:r>
+              <a:rPr lang="es-MX" sz="2400" b="1" spc="50" dirty="0">
+                <a:ln w="0"/>
+                <a:solidFill>
+                  <a:schemeClr val="bg2"/>
+                </a:solidFill>
+                <a:effectLst>
+                  <a:innerShdw blurRad="63500" dist="50800" dir="13500000">
+                    <a:srgbClr val="000000">
+                      <a:alpha val="50000"/>
+                    </a:srgbClr>
+                  </a:innerShdw>
+                </a:effectLst>
+              </a:rPr>
+              <a:t>Neisser Sánchez</a:t>
+            </a:r>
+          </a:p>
+          <a:p>
+            <a:pPr marL="342900" indent="-342900">
+              <a:buFont typeface="Arial" panose="020B0604020202020204" pitchFamily="34" charset="0"/>
+              <a:buChar char="•"/>
+            </a:pPr>
+            <a:r>
+              <a:rPr lang="es-MX" sz="2400" b="1" spc="50" dirty="0">
+                <a:ln w="0"/>
+                <a:solidFill>
+                  <a:schemeClr val="bg2"/>
+                </a:solidFill>
+                <a:effectLst>
+                  <a:innerShdw blurRad="63500" dist="50800" dir="13500000">
+                    <a:srgbClr val="000000">
+                      <a:alpha val="50000"/>
+                    </a:srgbClr>
+                  </a:innerShdw>
+                </a:effectLst>
+              </a:rPr>
+              <a:t>Diego Quezada</a:t>
+            </a:r>
+          </a:p>
+          <a:p>
+            <a:pPr marL="342900" indent="-342900">
+              <a:buFont typeface="Arial" panose="020B0604020202020204" pitchFamily="34" charset="0"/>
+              <a:buChar char="•"/>
+            </a:pPr>
+            <a:r>
+              <a:rPr lang="es-MX" sz="2400" b="1" spc="50" dirty="0">
+                <a:ln w="0"/>
+                <a:solidFill>
+                  <a:schemeClr val="bg2"/>
+                </a:solidFill>
+                <a:effectLst>
+                  <a:innerShdw blurRad="63500" dist="50800" dir="13500000">
+                    <a:srgbClr val="000000">
+                      <a:alpha val="50000"/>
+                    </a:srgbClr>
+                  </a:innerShdw>
+                </a:effectLst>
+              </a:rPr>
+              <a:t>Any Vallejos</a:t>
+            </a:r>
+          </a:p>
+          <a:p>
+            <a:endParaRPr lang="es-MX" sz="2400" b="1" spc="50" dirty="0">
+              <a:ln w="0"/>
+              <a:solidFill>
+                <a:schemeClr val="bg2"/>
+              </a:solidFill>
+              <a:effectLst>
+                <a:innerShdw blurRad="63500" dist="50800" dir="13500000">
+                  <a:srgbClr val="000000">
+                    <a:alpha val="50000"/>
+                  </a:srgbClr>
+                </a:innerShdw>
+              </a:effectLst>
+            </a:endParaRPr>
+          </a:p>
+          <a:p>
+            <a:r>
+              <a:rPr lang="es-MX" sz="2400" b="1" spc="50" dirty="0">
+                <a:ln w="0"/>
+                <a:solidFill>
+                  <a:schemeClr val="bg2"/>
+                </a:solidFill>
+                <a:effectLst>
+                  <a:innerShdw blurRad="63500" dist="50800" dir="13500000">
+                    <a:srgbClr val="000000">
+                      <a:alpha val="50000"/>
+                    </a:srgbClr>
+                  </a:innerShdw>
+                </a:effectLst>
+              </a:rPr>
+              <a:t>Docente:</a:t>
+            </a:r>
+          </a:p>
+          <a:p>
+            <a:r>
+              <a:rPr lang="es-MX" sz="2400" b="1" spc="50" dirty="0">
+                <a:ln w="0"/>
+                <a:solidFill>
+                  <a:schemeClr val="bg2"/>
+                </a:solidFill>
+                <a:effectLst>
+                  <a:innerShdw blurRad="63500" dist="50800" dir="13500000">
+                    <a:srgbClr val="000000">
+                      <a:alpha val="50000"/>
+                    </a:srgbClr>
+                  </a:innerShdw>
+                </a:effectLst>
+              </a:rPr>
+              <a:t>Ing. Patricia Vigo</a:t>
+            </a:r>
+          </a:p>
+          <a:p>
+            <a:endParaRPr lang="es-MX" sz="2400" b="1" spc="50" dirty="0">
+              <a:ln w="0"/>
+              <a:solidFill>
+                <a:schemeClr val="bg2"/>
+              </a:solidFill>
+              <a:effectLst>
+                <a:innerShdw blurRad="63500" dist="50800" dir="13500000">
+                  <a:srgbClr val="000000">
+                    <a:alpha val="50000"/>
+                  </a:srgbClr>
+                </a:innerShdw>
+              </a:effectLst>
+            </a:endParaRPr>
+          </a:p>
+          <a:p>
+            <a:r>
+              <a:rPr lang="es-MX" sz="2400" b="1" spc="50" dirty="0">
+                <a:ln w="0"/>
+                <a:solidFill>
+                  <a:schemeClr val="bg2"/>
+                </a:solidFill>
+                <a:effectLst>
+                  <a:innerShdw blurRad="63500" dist="50800" dir="13500000">
+                    <a:srgbClr val="000000">
+                      <a:alpha val="50000"/>
+                    </a:srgbClr>
+                  </a:innerShdw>
+                </a:effectLst>
+              </a:rPr>
+              <a:t>Curso:</a:t>
+            </a:r>
+          </a:p>
+          <a:p>
+            <a:r>
+              <a:rPr lang="es-MX" sz="2400" b="1" spc="50" dirty="0">
+                <a:ln w="0"/>
+                <a:solidFill>
+                  <a:schemeClr val="bg2"/>
+                </a:solidFill>
+                <a:effectLst>
+                  <a:innerShdw blurRad="63500" dist="50800" dir="13500000">
+                    <a:srgbClr val="000000">
+                      <a:alpha val="50000"/>
+                    </a:srgbClr>
+                  </a:innerShdw>
+                </a:effectLst>
+              </a:rPr>
+              <a:t>Interacción hombre-maquina</a:t>
+            </a:r>
+            <a:endParaRPr lang="es-PE" sz="2400" b="1" spc="50" dirty="0">
+              <a:ln w="0"/>
+              <a:solidFill>
+                <a:schemeClr val="bg2"/>
+              </a:solidFill>
+              <a:effectLst>
+                <a:innerShdw blurRad="63500" dist="50800" dir="13500000">
+                  <a:srgbClr val="000000">
+                    <a:alpha val="50000"/>
+                  </a:srgbClr>
+                </a:innerShdw>
+              </a:effectLst>
+            </a:endParaRPr>
+          </a:p>
+        </p:txBody>
+      </p:sp>
+      <p:pic>
+        <p:nvPicPr>
+          <p:cNvPr id="2" name="Imagen 1"/>
           <p:cNvPicPr>
             <a:picLocks noChangeAspect="1"/>
           </p:cNvPicPr>
@@ -7344,310 +7634,14 @@
         </p:blipFill>
         <p:spPr>
           <a:xfrm>
-            <a:off x="1433924" y="1155447"/>
-            <a:ext cx="7628570" cy="3501781"/>
+            <a:off x="1169041" y="1347274"/>
+            <a:ext cx="6837997" cy="3096919"/>
           </a:xfrm>
           <a:prstGeom prst="rect">
             <a:avLst/>
           </a:prstGeom>
         </p:spPr>
       </p:pic>
-      <p:sp>
-        <p:nvSpPr>
-          <p:cNvPr id="6" name="TextBox 5">
-            <a:extLst>
-              <a:ext uri="{FF2B5EF4-FFF2-40B4-BE49-F238E27FC236}">
-                <a16:creationId xmlns="" xmlns:a16="http://schemas.microsoft.com/office/drawing/2014/main" id="{DADDF964-2D30-43F0-BEFF-1303DD6D2F00}"/>
-              </a:ext>
-            </a:extLst>
-          </p:cNvPr>
-          <p:cNvSpPr txBox="1"/>
-          <p:nvPr/>
-        </p:nvSpPr>
-        <p:spPr>
-          <a:xfrm>
-            <a:off x="1430750" y="4624729"/>
-            <a:ext cx="6576288" cy="707886"/>
-          </a:xfrm>
-          <a:prstGeom prst="rect">
-            <a:avLst/>
-          </a:prstGeom>
-          <a:noFill/>
-        </p:spPr>
-        <p:txBody>
-          <a:bodyPr wrap="square" rtlCol="0">
-            <a:spAutoFit/>
-          </a:bodyPr>
-          <a:lstStyle/>
-          <a:p>
-            <a:r>
-              <a:rPr lang="es-MX" sz="4000" b="1" dirty="0">
-                <a:ln w="6600">
-                  <a:solidFill>
-                    <a:schemeClr val="accent2"/>
-                  </a:solidFill>
-                  <a:prstDash val="solid"/>
-                </a:ln>
-                <a:solidFill>
-                  <a:srgbClr val="FFFFFF"/>
-                </a:solidFill>
-                <a:effectLst>
-                  <a:outerShdw dist="38100" dir="2700000" algn="tl" rotWithShape="0">
-                    <a:schemeClr val="accent2"/>
-                  </a:outerShdw>
-                </a:effectLst>
-                <a:latin typeface="Arial Rounded MT Bold" panose="020F0704030504030204" pitchFamily="34" charset="0"/>
-              </a:rPr>
-              <a:t>ETAPA III:  PROTOTIPADO</a:t>
-            </a:r>
-            <a:endParaRPr lang="es-PE" sz="4000" b="1" dirty="0">
-              <a:ln w="6600">
-                <a:solidFill>
-                  <a:schemeClr val="accent2"/>
-                </a:solidFill>
-                <a:prstDash val="solid"/>
-              </a:ln>
-              <a:solidFill>
-                <a:srgbClr val="FFFFFF"/>
-              </a:solidFill>
-              <a:effectLst>
-                <a:outerShdw dist="38100" dir="2700000" algn="tl" rotWithShape="0">
-                  <a:schemeClr val="accent2"/>
-                </a:outerShdw>
-              </a:effectLst>
-              <a:latin typeface="Arial Rounded MT Bold" panose="020F0704030504030204" pitchFamily="34" charset="0"/>
-            </a:endParaRPr>
-          </a:p>
-        </p:txBody>
-      </p:sp>
-      <p:sp>
-        <p:nvSpPr>
-          <p:cNvPr id="7" name="TextBox 6">
-            <a:extLst>
-              <a:ext uri="{FF2B5EF4-FFF2-40B4-BE49-F238E27FC236}">
-                <a16:creationId xmlns="" xmlns:a16="http://schemas.microsoft.com/office/drawing/2014/main" id="{C8D95159-5EE3-4620-B2D4-24628A5B23F5}"/>
-              </a:ext>
-            </a:extLst>
-          </p:cNvPr>
-          <p:cNvSpPr txBox="1"/>
-          <p:nvPr/>
-        </p:nvSpPr>
-        <p:spPr>
-          <a:xfrm>
-            <a:off x="9086100" y="1347274"/>
-            <a:ext cx="3074380" cy="4154984"/>
-          </a:xfrm>
-          <a:prstGeom prst="rect">
-            <a:avLst/>
-          </a:prstGeom>
-          <a:noFill/>
-        </p:spPr>
-        <p:txBody>
-          <a:bodyPr wrap="square" rtlCol="0">
-            <a:spAutoFit/>
-          </a:bodyPr>
-          <a:lstStyle/>
-          <a:p>
-            <a:r>
-              <a:rPr lang="es-MX" sz="2400" b="1" spc="50" dirty="0">
-                <a:ln w="0"/>
-                <a:solidFill>
-                  <a:schemeClr val="bg2"/>
-                </a:solidFill>
-                <a:effectLst>
-                  <a:innerShdw blurRad="63500" dist="50800" dir="13500000">
-                    <a:srgbClr val="000000">
-                      <a:alpha val="50000"/>
-                    </a:srgbClr>
-                  </a:innerShdw>
-                </a:effectLst>
-              </a:rPr>
-              <a:t>Integrantes:</a:t>
-            </a:r>
-          </a:p>
-          <a:p>
-            <a:pPr marL="342900" indent="-342900">
-              <a:buFont typeface="Arial" panose="020B0604020202020204" pitchFamily="34" charset="0"/>
-              <a:buChar char="•"/>
-            </a:pPr>
-            <a:r>
-              <a:rPr lang="es-MX" sz="2400" b="1" spc="50" dirty="0">
-                <a:ln w="0"/>
-                <a:solidFill>
-                  <a:schemeClr val="bg2"/>
-                </a:solidFill>
-                <a:effectLst>
-                  <a:innerShdw blurRad="63500" dist="50800" dir="13500000">
-                    <a:srgbClr val="000000">
-                      <a:alpha val="50000"/>
-                    </a:srgbClr>
-                  </a:innerShdw>
-                </a:effectLst>
-              </a:rPr>
-              <a:t>Neisser Sánchez</a:t>
-            </a:r>
-          </a:p>
-          <a:p>
-            <a:pPr marL="342900" indent="-342900">
-              <a:buFont typeface="Arial" panose="020B0604020202020204" pitchFamily="34" charset="0"/>
-              <a:buChar char="•"/>
-            </a:pPr>
-            <a:r>
-              <a:rPr lang="es-MX" sz="2400" b="1" spc="50" dirty="0">
-                <a:ln w="0"/>
-                <a:solidFill>
-                  <a:schemeClr val="bg2"/>
-                </a:solidFill>
-                <a:effectLst>
-                  <a:innerShdw blurRad="63500" dist="50800" dir="13500000">
-                    <a:srgbClr val="000000">
-                      <a:alpha val="50000"/>
-                    </a:srgbClr>
-                  </a:innerShdw>
-                </a:effectLst>
-              </a:rPr>
-              <a:t>Diego Quezada</a:t>
-            </a:r>
-          </a:p>
-          <a:p>
-            <a:pPr marL="342900" indent="-342900">
-              <a:buFont typeface="Arial" panose="020B0604020202020204" pitchFamily="34" charset="0"/>
-              <a:buChar char="•"/>
-            </a:pPr>
-            <a:r>
-              <a:rPr lang="es-MX" sz="2400" b="1" spc="50" dirty="0">
-                <a:ln w="0"/>
-                <a:solidFill>
-                  <a:schemeClr val="bg2"/>
-                </a:solidFill>
-                <a:effectLst>
-                  <a:innerShdw blurRad="63500" dist="50800" dir="13500000">
-                    <a:srgbClr val="000000">
-                      <a:alpha val="50000"/>
-                    </a:srgbClr>
-                  </a:innerShdw>
-                </a:effectLst>
-              </a:rPr>
-              <a:t>Any Vallejos</a:t>
-            </a:r>
-          </a:p>
-          <a:p>
-            <a:endParaRPr lang="es-MX" sz="2400" b="1" spc="50" dirty="0">
-              <a:ln w="0"/>
-              <a:solidFill>
-                <a:schemeClr val="bg2"/>
-              </a:solidFill>
-              <a:effectLst>
-                <a:innerShdw blurRad="63500" dist="50800" dir="13500000">
-                  <a:srgbClr val="000000">
-                    <a:alpha val="50000"/>
-                  </a:srgbClr>
-                </a:innerShdw>
-              </a:effectLst>
-            </a:endParaRPr>
-          </a:p>
-          <a:p>
-            <a:r>
-              <a:rPr lang="es-MX" sz="2400" b="1" spc="50" dirty="0">
-                <a:ln w="0"/>
-                <a:solidFill>
-                  <a:schemeClr val="bg2"/>
-                </a:solidFill>
-                <a:effectLst>
-                  <a:innerShdw blurRad="63500" dist="50800" dir="13500000">
-                    <a:srgbClr val="000000">
-                      <a:alpha val="50000"/>
-                    </a:srgbClr>
-                  </a:innerShdw>
-                </a:effectLst>
-              </a:rPr>
-              <a:t>Docente:</a:t>
-            </a:r>
-          </a:p>
-          <a:p>
-            <a:r>
-              <a:rPr lang="es-MX" sz="2400" b="1" spc="50" dirty="0">
-                <a:ln w="0"/>
-                <a:solidFill>
-                  <a:schemeClr val="bg2"/>
-                </a:solidFill>
-                <a:effectLst>
-                  <a:innerShdw blurRad="63500" dist="50800" dir="13500000">
-                    <a:srgbClr val="000000">
-                      <a:alpha val="50000"/>
-                    </a:srgbClr>
-                  </a:innerShdw>
-                </a:effectLst>
-              </a:rPr>
-              <a:t>Ing. Patricia Vigo</a:t>
-            </a:r>
-          </a:p>
-          <a:p>
-            <a:endParaRPr lang="es-MX" sz="2400" b="1" spc="50" dirty="0">
-              <a:ln w="0"/>
-              <a:solidFill>
-                <a:schemeClr val="bg2"/>
-              </a:solidFill>
-              <a:effectLst>
-                <a:innerShdw blurRad="63500" dist="50800" dir="13500000">
-                  <a:srgbClr val="000000">
-                    <a:alpha val="50000"/>
-                  </a:srgbClr>
-                </a:innerShdw>
-              </a:effectLst>
-            </a:endParaRPr>
-          </a:p>
-          <a:p>
-            <a:r>
-              <a:rPr lang="es-MX" sz="2400" b="1" spc="50" dirty="0">
-                <a:ln w="0"/>
-                <a:solidFill>
-                  <a:schemeClr val="bg2"/>
-                </a:solidFill>
-                <a:effectLst>
-                  <a:innerShdw blurRad="63500" dist="50800" dir="13500000">
-                    <a:srgbClr val="000000">
-                      <a:alpha val="50000"/>
-                    </a:srgbClr>
-                  </a:innerShdw>
-                </a:effectLst>
-              </a:rPr>
-              <a:t>Curso:</a:t>
-            </a:r>
-          </a:p>
-          <a:p>
-            <a:r>
-              <a:rPr lang="es-MX" sz="2400" b="1" spc="50" dirty="0">
-                <a:ln w="0"/>
-                <a:solidFill>
-                  <a:schemeClr val="bg2"/>
-                </a:solidFill>
-                <a:effectLst>
-                  <a:innerShdw blurRad="63500" dist="50800" dir="13500000">
-                    <a:srgbClr val="000000">
-                      <a:alpha val="50000"/>
-                    </a:srgbClr>
-                  </a:innerShdw>
-                </a:effectLst>
-              </a:rPr>
-              <a:t>Interacción hombre-maquina</a:t>
-            </a:r>
-            <a:endParaRPr lang="es-PE" sz="2400" b="1" spc="50" dirty="0">
-              <a:ln w="0"/>
-              <a:solidFill>
-                <a:schemeClr val="bg2"/>
-              </a:solidFill>
-              <a:effectLst>
-                <a:innerShdw blurRad="63500" dist="50800" dir="13500000">
-                  <a:srgbClr val="000000">
-                    <a:alpha val="50000"/>
-                  </a:srgbClr>
-                </a:innerShdw>
-              </a:effectLst>
-            </a:endParaRPr>
-          </a:p>
-        </p:txBody>
-      </p:sp>
     </p:spTree>
     <p:extLst>
       <p:ext uri="{BB962C8B-B14F-4D97-AF65-F5344CB8AC3E}">
